--- a/2018/python/Python Programming Concepts III.pptx
+++ b/2018/python/Python Programming Concepts III.pptx
@@ -6,7 +6,7 @@
     <p:sldMasterId id="2147483660" r:id="rId2"/>
   </p:sldMasterIdLst>
   <p:notesMasterIdLst>
-    <p:notesMasterId r:id="rId32"/>
+    <p:notesMasterId r:id="rId34"/>
   </p:notesMasterIdLst>
   <p:sldIdLst>
     <p:sldId id="256" r:id="rId3"/>
@@ -37,7 +37,9 @@
     <p:sldId id="291" r:id="rId28"/>
     <p:sldId id="293" r:id="rId29"/>
     <p:sldId id="279" r:id="rId30"/>
-    <p:sldId id="281" r:id="rId31"/>
+    <p:sldId id="295" r:id="rId31"/>
+    <p:sldId id="296" r:id="rId32"/>
+    <p:sldId id="281" r:id="rId33"/>
   </p:sldIdLst>
   <p:sldSz cx="9144000" cy="6858000" type="screen4x3"/>
   <p:notesSz cx="6858000" cy="9144000"/>
@@ -254,7 +256,7 @@
   </p:defaultTextStyle>
   <p:extLst>
     <p:ext uri="{EFAFB233-063F-42B5-8137-9DF3F51BA10A}">
-      <p15:sldGuideLst xmlns="" xmlns:p15="http://schemas.microsoft.com/office/powerpoint/2012/main">
+      <p15:sldGuideLst xmlns:p15="http://schemas.microsoft.com/office/powerpoint/2012/main" xmlns="">
         <p15:guide id="1" orient="horz" pos="2160">
           <p15:clr>
             <a:srgbClr val="A4A3A4"/>
@@ -2982,7 +2984,7 @@
   <p:cSld>
     <p:spTree>
       <p:nvGrpSpPr>
-        <p:cNvPr id="1" name="Shape 197"/>
+        <p:cNvPr id="1" name="Shape 185"/>
         <p:cNvGrpSpPr/>
         <p:nvPr/>
       </p:nvGrpSpPr>
@@ -2996,7 +2998,7 @@
       </p:grpSpPr>
       <p:sp>
         <p:nvSpPr>
-          <p:cNvPr id="198" name="Shape 198"/>
+          <p:cNvPr id="186" name="Shape 186"/>
           <p:cNvSpPr>
             <a:spLocks noGrp="1" noRot="1" noChangeAspect="1"/>
           </p:cNvSpPr>
@@ -3047,7 +3049,7 @@
       </p:sp>
       <p:sp>
         <p:nvSpPr>
-          <p:cNvPr id="199" name="Shape 199"/>
+          <p:cNvPr id="187" name="Shape 187"/>
           <p:cNvSpPr txBox="1">
             <a:spLocks noGrp="1"/>
           </p:cNvSpPr>
@@ -3076,7 +3078,7 @@
               </a:spcBef>
               <a:buNone/>
             </a:pPr>
-            <a:endParaRPr/>
+            <a:endParaRPr sz="1466"/>
           </a:p>
         </p:txBody>
       </p:sp>
@@ -3188,6 +3190,117 @@
               <a:buNone/>
             </a:pPr>
             <a:endParaRPr sz="1466"/>
+          </a:p>
+        </p:txBody>
+      </p:sp>
+    </p:spTree>
+  </p:cSld>
+  <p:clrMapOvr>
+    <a:masterClrMapping/>
+  </p:clrMapOvr>
+</p:notes>
+</file>
+
+<file path=ppt/notesSlides/notesSlide30.xml><?xml version="1.0" encoding="utf-8"?>
+<p:notes xmlns:a="http://schemas.openxmlformats.org/drawingml/2006/main" xmlns:r="http://schemas.openxmlformats.org/officeDocument/2006/relationships" xmlns:p="http://schemas.openxmlformats.org/presentationml/2006/main" showMasterSp="0" showMasterPhAnim="0">
+  <p:cSld>
+    <p:spTree>
+      <p:nvGrpSpPr>
+        <p:cNvPr id="1" name="Shape 197"/>
+        <p:cNvGrpSpPr/>
+        <p:nvPr/>
+      </p:nvGrpSpPr>
+      <p:grpSpPr>
+        <a:xfrm>
+          <a:off x="0" y="0"/>
+          <a:ext cx="0" cy="0"/>
+          <a:chOff x="0" y="0"/>
+          <a:chExt cx="0" cy="0"/>
+        </a:xfrm>
+      </p:grpSpPr>
+      <p:sp>
+        <p:nvSpPr>
+          <p:cNvPr id="198" name="Shape 198"/>
+          <p:cNvSpPr>
+            <a:spLocks noGrp="1" noRot="1" noChangeAspect="1"/>
+          </p:cNvSpPr>
+          <p:nvPr>
+            <p:ph type="sldImg" idx="2"/>
+          </p:nvPr>
+        </p:nvSpPr>
+        <p:spPr>
+          <a:xfrm>
+            <a:off x="1143000" y="685800"/>
+            <a:ext cx="4572000" cy="3429000"/>
+          </a:xfrm>
+          <a:custGeom>
+            <a:avLst/>
+            <a:gdLst/>
+            <a:ahLst/>
+            <a:cxnLst/>
+            <a:rect l="0" t="0" r="0" b="0"/>
+            <a:pathLst>
+              <a:path w="120000" h="120000" extrusionOk="0">
+                <a:moveTo>
+                  <a:pt x="0" y="0"/>
+                </a:moveTo>
+                <a:lnTo>
+                  <a:pt x="120000" y="0"/>
+                </a:lnTo>
+                <a:lnTo>
+                  <a:pt x="120000" y="120000"/>
+                </a:lnTo>
+                <a:lnTo>
+                  <a:pt x="0" y="120000"/>
+                </a:lnTo>
+                <a:close/>
+              </a:path>
+            </a:pathLst>
+          </a:custGeom>
+          <a:noFill/>
+          <a:ln w="9525" cap="flat">
+            <a:solidFill>
+              <a:srgbClr val="000000"/>
+            </a:solidFill>
+            <a:prstDash val="solid"/>
+            <a:round/>
+            <a:headEnd type="none" w="med" len="med"/>
+            <a:tailEnd type="none" w="med" len="med"/>
+          </a:ln>
+        </p:spPr>
+      </p:sp>
+      <p:sp>
+        <p:nvSpPr>
+          <p:cNvPr id="199" name="Shape 199"/>
+          <p:cNvSpPr txBox="1">
+            <a:spLocks noGrp="1"/>
+          </p:cNvSpPr>
+          <p:nvPr>
+            <p:ph type="body" idx="1"/>
+          </p:nvPr>
+        </p:nvSpPr>
+        <p:spPr>
+          <a:xfrm>
+            <a:off x="685800" y="4343400"/>
+            <a:ext cx="5486399" cy="4114800"/>
+          </a:xfrm>
+          <a:prstGeom prst="rect">
+            <a:avLst/>
+          </a:prstGeom>
+        </p:spPr>
+        <p:txBody>
+          <a:bodyPr lIns="91425" tIns="91425" rIns="91425" bIns="91425" anchor="t" anchorCtr="0">
+            <a:noAutofit/>
+          </a:bodyPr>
+          <a:lstStyle/>
+          <a:p>
+            <a:pPr>
+              <a:spcBef>
+                <a:spcPts val="0"/>
+              </a:spcBef>
+              <a:buNone/>
+            </a:pPr>
+            <a:endParaRPr/>
           </a:p>
         </p:txBody>
       </p:sp>
@@ -17972,7 +18085,7 @@
   <p:cSld>
     <p:spTree>
       <p:nvGrpSpPr>
-        <p:cNvPr id="1" name="Shape 194"/>
+        <p:cNvPr id="1" name="Shape 182"/>
         <p:cNvGrpSpPr/>
         <p:nvPr/>
       </p:nvGrpSpPr>
@@ -17986,7 +18099,7 @@
       </p:grpSpPr>
       <p:sp>
         <p:nvSpPr>
-          <p:cNvPr id="195" name="Shape 195"/>
+          <p:cNvPr id="183" name="Shape 183"/>
           <p:cNvSpPr txBox="1">
             <a:spLocks noGrp="1"/>
           </p:cNvSpPr>
@@ -17996,39 +18109,134 @@
         </p:nvSpPr>
         <p:spPr>
           <a:xfrm>
-            <a:off x="457200" y="2771960"/>
-            <a:ext cx="8229600" cy="1143000"/>
+            <a:off x="274319" y="274319"/>
+            <a:ext cx="8663939" cy="1086508"/>
           </a:xfrm>
           <a:prstGeom prst="rect">
             <a:avLst/>
           </a:prstGeom>
         </p:spPr>
         <p:txBody>
-          <a:bodyPr lIns="91425" tIns="91425" rIns="91425" bIns="91425" anchor="b" anchorCtr="0">
+          <a:bodyPr lIns="38100" tIns="38100" rIns="38100" bIns="38100" anchor="t" anchorCtr="0">
             <a:noAutofit/>
           </a:bodyPr>
           <a:lstStyle/>
           <a:p>
-            <a:pPr algn="ctr">
-              <a:spcBef>
-                <a:spcPts val="0"/>
-              </a:spcBef>
-              <a:buNone/>
-            </a:pPr>
-            <a:r>
-              <a:rPr lang="en" sz="7200" dirty="0">
+            <a:pPr rtl="0">
+              <a:lnSpc>
+                <a:spcPct val="100000"/>
+              </a:lnSpc>
+              <a:spcBef>
+                <a:spcPts val="0"/>
+              </a:spcBef>
+              <a:buNone/>
+            </a:pPr>
+            <a:r>
+              <a:rPr lang="en-US" sz="7200" b="1" dirty="0" smtClean="0">
                 <a:solidFill>
                   <a:srgbClr val="FF0000"/>
                 </a:solidFill>
                 <a:latin typeface="Yanone Kaffeesatz Bold"/>
                 <a:cs typeface="Yanone Kaffeesatz Bold"/>
-              </a:rPr>
-              <a:t>Questions?</a:t>
-            </a:r>
+                <a:sym typeface="Ubuntu"/>
+              </a:rPr>
+              <a:t>Exercises</a:t>
+            </a:r>
+            <a:endParaRPr lang="en" sz="7200" b="1" dirty="0">
+              <a:solidFill>
+                <a:srgbClr val="FF0000"/>
+              </a:solidFill>
+              <a:latin typeface="Yanone Kaffeesatz Bold"/>
+              <a:cs typeface="Yanone Kaffeesatz Bold"/>
+              <a:sym typeface="Ubuntu"/>
+            </a:endParaRPr>
+          </a:p>
+        </p:txBody>
+      </p:sp>
+      <p:sp>
+        <p:nvSpPr>
+          <p:cNvPr id="184" name="Shape 184"/>
+          <p:cNvSpPr txBox="1">
+            <a:spLocks noGrp="1"/>
+          </p:cNvSpPr>
+          <p:nvPr>
+            <p:ph type="body" idx="1"/>
+          </p:nvPr>
+        </p:nvSpPr>
+        <p:spPr>
+          <a:xfrm>
+            <a:off x="274319" y="1645919"/>
+            <a:ext cx="8663939" cy="5006339"/>
+          </a:xfrm>
+          <a:prstGeom prst="rect">
+            <a:avLst/>
+          </a:prstGeom>
+        </p:spPr>
+        <p:txBody>
+          <a:bodyPr lIns="38100" tIns="38100" rIns="38100" bIns="38100" anchor="t" anchorCtr="0">
+            <a:noAutofit/>
+          </a:bodyPr>
+          <a:lstStyle/>
+          <a:p>
+            <a:pPr marL="381000" marR="0" lvl="0" indent="-220133" rtl="0">
+              <a:lnSpc>
+                <a:spcPct val="140000"/>
+              </a:lnSpc>
+              <a:spcBef>
+                <a:spcPts val="0"/>
+              </a:spcBef>
+              <a:spcAft>
+                <a:spcPts val="0"/>
+              </a:spcAft>
+              <a:buClr>
+                <a:srgbClr val="000000"/>
+              </a:buClr>
+              <a:buSzPct val="98765"/>
+              <a:buFont typeface="Arial"/>
+              <a:buChar char="●"/>
+            </a:pPr>
+            <a:r>
+              <a:rPr lang="en-US" sz="2666" dirty="0" smtClean="0">
+                <a:solidFill>
+                  <a:srgbClr val="000000"/>
+                </a:solidFill>
+                <a:latin typeface="Open Sans"/>
+                <a:ea typeface="Open Sans"/>
+                <a:cs typeface="Open Sans"/>
+                <a:sym typeface="Open Sans"/>
+              </a:rPr>
+              <a:t>Write a </a:t>
+            </a:r>
+            <a:r>
+              <a:rPr lang="en-US" sz="2666" smtClean="0">
+                <a:solidFill>
+                  <a:srgbClr val="000000"/>
+                </a:solidFill>
+                <a:latin typeface="Open Sans"/>
+                <a:ea typeface="Open Sans"/>
+                <a:cs typeface="Open Sans"/>
+                <a:sym typeface="Open Sans"/>
+              </a:rPr>
+              <a:t>class exercise</a:t>
+            </a:r>
+            <a:endParaRPr lang="en" sz="2666" dirty="0">
+              <a:solidFill>
+                <a:srgbClr val="000000"/>
+              </a:solidFill>
+              <a:latin typeface="Open Sans"/>
+              <a:ea typeface="Open Sans"/>
+              <a:cs typeface="Open Sans"/>
+              <a:sym typeface="Open Sans"/>
+            </a:endParaRPr>
           </a:p>
         </p:txBody>
       </p:sp>
     </p:spTree>
+    <p:extLst>
+      <p:ext uri="{BB962C8B-B14F-4D97-AF65-F5344CB8AC3E}">
+        <p14:creationId xmlns:p14="http://schemas.microsoft.com/office/powerpoint/2010/main" val="754453868"/>
+      </p:ext>
+    </p:extLst>
   </p:cSld>
   <p:clrMapOvr>
     <a:masterClrMapping/>
@@ -18253,6 +18461,184 @@
               </a:solidFill>
               <a:sym typeface="Arial"/>
             </a:endParaRPr>
+          </a:p>
+        </p:txBody>
+      </p:sp>
+    </p:spTree>
+  </p:cSld>
+  <p:clrMapOvr>
+    <a:masterClrMapping/>
+  </p:clrMapOvr>
+  <p:transition xmlns:p14="http://schemas.microsoft.com/office/powerpoint/2010/main" spd="slow">
+    <p:cut/>
+  </p:transition>
+  <p:timing>
+    <p:tnLst>
+      <p:par>
+        <p:cTn xmlns:p14="http://schemas.microsoft.com/office/powerpoint/2010/main" id="1" dur="indefinite" restart="never" nodeType="tmRoot"/>
+      </p:par>
+    </p:tnLst>
+  </p:timing>
+</p:sld>
+</file>
+
+<file path=ppt/slides/slide30.xml><?xml version="1.0" encoding="utf-8"?>
+<p:sld xmlns:a="http://schemas.openxmlformats.org/drawingml/2006/main" xmlns:r="http://schemas.openxmlformats.org/officeDocument/2006/relationships" xmlns:p="http://schemas.openxmlformats.org/presentationml/2006/main">
+  <p:cSld>
+    <p:spTree>
+      <p:nvGrpSpPr>
+        <p:cNvPr id="1" name=""/>
+        <p:cNvGrpSpPr/>
+        <p:nvPr/>
+      </p:nvGrpSpPr>
+      <p:grpSpPr>
+        <a:xfrm>
+          <a:off x="0" y="0"/>
+          <a:ext cx="0" cy="0"/>
+          <a:chOff x="0" y="0"/>
+          <a:chExt cx="0" cy="0"/>
+        </a:xfrm>
+      </p:grpSpPr>
+      <p:sp>
+        <p:nvSpPr>
+          <p:cNvPr id="2" name="Title 1"/>
+          <p:cNvSpPr>
+            <a:spLocks noGrp="1"/>
+          </p:cNvSpPr>
+          <p:nvPr>
+            <p:ph type="title"/>
+          </p:nvPr>
+        </p:nvSpPr>
+        <p:spPr/>
+        <p:txBody>
+          <a:bodyPr/>
+          <a:lstStyle/>
+          <a:p>
+            <a:endParaRPr lang="en-US"/>
+          </a:p>
+        </p:txBody>
+      </p:sp>
+      <p:sp>
+        <p:nvSpPr>
+          <p:cNvPr id="3" name="Text Placeholder 2"/>
+          <p:cNvSpPr>
+            <a:spLocks noGrp="1"/>
+          </p:cNvSpPr>
+          <p:nvPr>
+            <p:ph type="body" idx="1"/>
+          </p:nvPr>
+        </p:nvSpPr>
+        <p:spPr/>
+        <p:txBody>
+          <a:bodyPr/>
+          <a:lstStyle/>
+          <a:p>
+            <a:endParaRPr lang="en-US"/>
+          </a:p>
+        </p:txBody>
+      </p:sp>
+      <p:pic>
+        <p:nvPicPr>
+          <p:cNvPr id="5" name="Picture 4"/>
+          <p:cNvPicPr>
+            <a:picLocks noChangeAspect="1"/>
+          </p:cNvPicPr>
+          <p:nvPr/>
+        </p:nvPicPr>
+        <p:blipFill>
+          <a:blip r:embed="rId2"/>
+          <a:stretch>
+            <a:fillRect/>
+          </a:stretch>
+        </p:blipFill>
+        <p:spPr>
+          <a:xfrm>
+            <a:off x="1517017" y="-15169"/>
+            <a:ext cx="6103349" cy="6882500"/>
+          </a:xfrm>
+          <a:prstGeom prst="rect">
+            <a:avLst/>
+          </a:prstGeom>
+        </p:spPr>
+      </p:pic>
+    </p:spTree>
+    <p:extLst>
+      <p:ext uri="{BB962C8B-B14F-4D97-AF65-F5344CB8AC3E}">
+        <p14:creationId xmlns:p14="http://schemas.microsoft.com/office/powerpoint/2010/main" val="1125273380"/>
+      </p:ext>
+    </p:extLst>
+  </p:cSld>
+  <p:clrMapOvr>
+    <a:masterClrMapping/>
+  </p:clrMapOvr>
+  <p:timing>
+    <p:tnLst>
+      <p:par>
+        <p:cTn xmlns:p14="http://schemas.microsoft.com/office/powerpoint/2010/main" id="1" dur="indefinite" restart="never" nodeType="tmRoot"/>
+      </p:par>
+    </p:tnLst>
+  </p:timing>
+</p:sld>
+</file>
+
+<file path=ppt/slides/slide31.xml><?xml version="1.0" encoding="utf-8"?>
+<p:sld xmlns:a="http://schemas.openxmlformats.org/drawingml/2006/main" xmlns:r="http://schemas.openxmlformats.org/officeDocument/2006/relationships" xmlns:p="http://schemas.openxmlformats.org/presentationml/2006/main">
+  <p:cSld>
+    <p:spTree>
+      <p:nvGrpSpPr>
+        <p:cNvPr id="1" name="Shape 194"/>
+        <p:cNvGrpSpPr/>
+        <p:nvPr/>
+      </p:nvGrpSpPr>
+      <p:grpSpPr>
+        <a:xfrm>
+          <a:off x="0" y="0"/>
+          <a:ext cx="0" cy="0"/>
+          <a:chOff x="0" y="0"/>
+          <a:chExt cx="0" cy="0"/>
+        </a:xfrm>
+      </p:grpSpPr>
+      <p:sp>
+        <p:nvSpPr>
+          <p:cNvPr id="195" name="Shape 195"/>
+          <p:cNvSpPr txBox="1">
+            <a:spLocks noGrp="1"/>
+          </p:cNvSpPr>
+          <p:nvPr>
+            <p:ph type="title"/>
+          </p:nvPr>
+        </p:nvSpPr>
+        <p:spPr>
+          <a:xfrm>
+            <a:off x="457200" y="2771960"/>
+            <a:ext cx="8229600" cy="1143000"/>
+          </a:xfrm>
+          <a:prstGeom prst="rect">
+            <a:avLst/>
+          </a:prstGeom>
+        </p:spPr>
+        <p:txBody>
+          <a:bodyPr lIns="91425" tIns="91425" rIns="91425" bIns="91425" anchor="b" anchorCtr="0">
+            <a:noAutofit/>
+          </a:bodyPr>
+          <a:lstStyle/>
+          <a:p>
+            <a:pPr algn="ctr">
+              <a:spcBef>
+                <a:spcPts val="0"/>
+              </a:spcBef>
+              <a:buNone/>
+            </a:pPr>
+            <a:r>
+              <a:rPr lang="en" sz="7200" dirty="0">
+                <a:solidFill>
+                  <a:srgbClr val="FF0000"/>
+                </a:solidFill>
+                <a:latin typeface="Yanone Kaffeesatz Bold"/>
+                <a:cs typeface="Yanone Kaffeesatz Bold"/>
+              </a:rPr>
+              <a:t>Questions?</a:t>
+            </a:r>
           </a:p>
         </p:txBody>
       </p:sp>

--- a/2018/python/Python Programming Concepts III.pptx
+++ b/2018/python/Python Programming Concepts III.pptx
@@ -256,7 +256,7 @@
   </p:defaultTextStyle>
   <p:extLst>
     <p:ext uri="{EFAFB233-063F-42B5-8137-9DF3F51BA10A}">
-      <p15:sldGuideLst xmlns:p15="http://schemas.microsoft.com/office/powerpoint/2012/main" xmlns="">
+      <p15:sldGuideLst xmlns="" xmlns:p15="http://schemas.microsoft.com/office/powerpoint/2012/main">
         <p15:guide id="1" orient="horz" pos="2160">
           <p15:clr>
             <a:srgbClr val="A4A3A4"/>
@@ -18140,7 +18140,7 @@
                 <a:cs typeface="Yanone Kaffeesatz Bold"/>
                 <a:sym typeface="Ubuntu"/>
               </a:rPr>
-              <a:t>Exercises</a:t>
+              <a:t>Exercise</a:t>
             </a:r>
             <a:endParaRPr lang="en" sz="7200" b="1" dirty="0">
               <a:solidFill>
@@ -18205,10 +18205,10 @@
                 <a:cs typeface="Open Sans"/>
                 <a:sym typeface="Open Sans"/>
               </a:rPr>
-              <a:t>Write a </a:t>
-            </a:r>
-            <a:r>
-              <a:rPr lang="en-US" sz="2666" smtClean="0">
+              <a:t> Write </a:t>
+            </a:r>
+            <a:r>
+              <a:rPr lang="en-US" sz="2666" dirty="0" smtClean="0">
                 <a:solidFill>
                   <a:srgbClr val="000000"/>
                 </a:solidFill>
@@ -18217,15 +18217,105 @@
                 <a:cs typeface="Open Sans"/>
                 <a:sym typeface="Open Sans"/>
               </a:rPr>
-              <a:t>class exercise</a:t>
-            </a:r>
-            <a:endParaRPr lang="en" sz="2666" dirty="0">
-              <a:solidFill>
+              <a:t>a </a:t>
+            </a:r>
+            <a:r>
+              <a:rPr lang="en-US" dirty="0" smtClean="0">
+                <a:sym typeface="Open Sans"/>
+              </a:rPr>
+              <a:t>Dog class.</a:t>
+            </a:r>
+          </a:p>
+          <a:p>
+            <a:pPr marL="381000" marR="0" lvl="0" indent="-220133" rtl="0">
+              <a:lnSpc>
+                <a:spcPct val="140000"/>
+              </a:lnSpc>
+              <a:spcBef>
+                <a:spcPts val="0"/>
+              </a:spcBef>
+              <a:spcAft>
+                <a:spcPts val="0"/>
+              </a:spcAft>
+              <a:buClr>
                 <a:srgbClr val="000000"/>
-              </a:solidFill>
-              <a:latin typeface="Open Sans"/>
-              <a:ea typeface="Open Sans"/>
-              <a:cs typeface="Open Sans"/>
+              </a:buClr>
+              <a:buSzPct val="98765"/>
+              <a:buFont typeface="Arial"/>
+              <a:buChar char="●"/>
+            </a:pPr>
+            <a:r>
+              <a:rPr lang="en-US" sz="2666" dirty="0" smtClean="0">
+                <a:solidFill>
+                  <a:srgbClr val="000000"/>
+                </a:solidFill>
+                <a:latin typeface="Open Sans"/>
+                <a:ea typeface="Open Sans"/>
+                <a:cs typeface="Open Sans"/>
+                <a:sym typeface="Open Sans"/>
+              </a:rPr>
+              <a:t> Give it three methods.</a:t>
+            </a:r>
+          </a:p>
+          <a:p>
+            <a:pPr marL="381000" marR="0" lvl="0" indent="-220133" rtl="0">
+              <a:lnSpc>
+                <a:spcPct val="140000"/>
+              </a:lnSpc>
+              <a:spcBef>
+                <a:spcPts val="0"/>
+              </a:spcBef>
+              <a:spcAft>
+                <a:spcPts val="0"/>
+              </a:spcAft>
+              <a:buClr>
+                <a:srgbClr val="000000"/>
+              </a:buClr>
+              <a:buSzPct val="98765"/>
+              <a:buFont typeface="Arial"/>
+              <a:buChar char="●"/>
+            </a:pPr>
+            <a:r>
+              <a:rPr lang="en-US" dirty="0" smtClean="0">
+                <a:sym typeface="Open Sans"/>
+              </a:rPr>
+              <a:t> Give it three attributes.</a:t>
+            </a:r>
+            <a:endParaRPr lang="en-US" dirty="0">
+              <a:sym typeface="Open Sans"/>
+            </a:endParaRPr>
+          </a:p>
+          <a:p>
+            <a:pPr marL="381000" marR="0" lvl="0" indent="-220133" rtl="0">
+              <a:lnSpc>
+                <a:spcPct val="140000"/>
+              </a:lnSpc>
+              <a:spcBef>
+                <a:spcPts val="0"/>
+              </a:spcBef>
+              <a:spcAft>
+                <a:spcPts val="0"/>
+              </a:spcAft>
+              <a:buClr>
+                <a:srgbClr val="000000"/>
+              </a:buClr>
+              <a:buSzPct val="98765"/>
+              <a:buFont typeface="Arial"/>
+              <a:buChar char="●"/>
+            </a:pPr>
+            <a:r>
+              <a:rPr lang="en-US" dirty="0">
+                <a:sym typeface="Open Sans"/>
+              </a:rPr>
+              <a:t> </a:t>
+            </a:r>
+            <a:r>
+              <a:rPr lang="en-US" dirty="0" smtClean="0">
+                <a:sym typeface="Open Sans"/>
+              </a:rPr>
+              <a:t>Share with your neighbor</a:t>
+            </a:r>
+            <a:endParaRPr lang="en-US" dirty="0" smtClean="0">
               <a:sym typeface="Open Sans"/>
             </a:endParaRPr>
           </a:p>
